--- a/content/projects/takeout/251119.pptx
+++ b/content/projects/takeout/251119.pptx
@@ -13,9 +13,9 @@
     <p:sldId id="259" r:id="rId4"/>
     <p:sldId id="258" r:id="rId5"/>
     <p:sldId id="257" r:id="rId6"/>
-    <p:sldId id="260" r:id="rId7"/>
-    <p:sldId id="262" r:id="rId8"/>
-    <p:sldId id="261" r:id="rId9"/>
+    <p:sldId id="262" r:id="rId7"/>
+    <p:sldId id="261" r:id="rId8"/>
+    <p:sldId id="260" r:id="rId9"/>
     <p:sldId id="263" r:id="rId10"/>
     <p:sldId id="264" r:id="rId11"/>
   </p:sldIdLst>
@@ -116,6 +116,11 @@
       </a:defRPr>
     </a:lvl9pPr>
   </p:defaultTextStyle>
+  <p:extLst>
+    <p:ext uri="{EFAFB233-063F-42B5-8137-9DF3F51BA10A}">
+      <p15:sldGuideLst xmlns:p15="http://schemas.microsoft.com/office/powerpoint/2012/main"/>
+    </p:ext>
+  </p:extLst>
 </p:presentation>
 </file>
 
@@ -201,7 +206,7 @@
           <a:p>
             <a:fld id="{3488E0E2-B197-4C35-904F-9E8495D5C104}" type="datetimeFigureOut">
               <a:rPr lang="zh-CN" altLang="en-US" smtClean="0"/>
-              <a:t>2025/11/18</a:t>
+              <a:t>2025/11/19</a:t>
             </a:fld>
             <a:endParaRPr lang="zh-CN" altLang="en-US"/>
           </a:p>
@@ -533,7 +538,7 @@
           <a:p>
             <a:fld id="{3AC3B401-216D-402D-8D44-6F256D840BB3}" type="slidenum">
               <a:rPr lang="zh-CN" altLang="en-US" smtClean="0"/>
-              <a:t>7</a:t>
+              <a:t>6</a:t>
             </a:fld>
             <a:endParaRPr lang="zh-CN" altLang="en-US"/>
           </a:p>
@@ -699,7 +704,7 @@
           <a:p>
             <a:fld id="{ABB05F94-E789-4856-B1C9-8EF05D77C3DD}" type="datetimeFigureOut">
               <a:rPr lang="zh-CN" altLang="en-US" smtClean="0"/>
-              <a:t>2025/11/18</a:t>
+              <a:t>2025/11/19</a:t>
             </a:fld>
             <a:endParaRPr lang="zh-CN" altLang="en-US"/>
           </a:p>
@@ -897,7 +902,7 @@
           <a:p>
             <a:fld id="{ABB05F94-E789-4856-B1C9-8EF05D77C3DD}" type="datetimeFigureOut">
               <a:rPr lang="zh-CN" altLang="en-US" smtClean="0"/>
-              <a:t>2025/11/18</a:t>
+              <a:t>2025/11/19</a:t>
             </a:fld>
             <a:endParaRPr lang="zh-CN" altLang="en-US"/>
           </a:p>
@@ -1105,7 +1110,7 @@
           <a:p>
             <a:fld id="{ABB05F94-E789-4856-B1C9-8EF05D77C3DD}" type="datetimeFigureOut">
               <a:rPr lang="zh-CN" altLang="en-US" smtClean="0"/>
-              <a:t>2025/11/18</a:t>
+              <a:t>2025/11/19</a:t>
             </a:fld>
             <a:endParaRPr lang="zh-CN" altLang="en-US"/>
           </a:p>
@@ -1303,7 +1308,7 @@
           <a:p>
             <a:fld id="{ABB05F94-E789-4856-B1C9-8EF05D77C3DD}" type="datetimeFigureOut">
               <a:rPr lang="zh-CN" altLang="en-US" smtClean="0"/>
-              <a:t>2025/11/18</a:t>
+              <a:t>2025/11/19</a:t>
             </a:fld>
             <a:endParaRPr lang="zh-CN" altLang="en-US"/>
           </a:p>
@@ -1578,7 +1583,7 @@
           <a:p>
             <a:fld id="{ABB05F94-E789-4856-B1C9-8EF05D77C3DD}" type="datetimeFigureOut">
               <a:rPr lang="zh-CN" altLang="en-US" smtClean="0"/>
-              <a:t>2025/11/18</a:t>
+              <a:t>2025/11/19</a:t>
             </a:fld>
             <a:endParaRPr lang="zh-CN" altLang="en-US"/>
           </a:p>
@@ -1843,7 +1848,7 @@
           <a:p>
             <a:fld id="{ABB05F94-E789-4856-B1C9-8EF05D77C3DD}" type="datetimeFigureOut">
               <a:rPr lang="zh-CN" altLang="en-US" smtClean="0"/>
-              <a:t>2025/11/18</a:t>
+              <a:t>2025/11/19</a:t>
             </a:fld>
             <a:endParaRPr lang="zh-CN" altLang="en-US"/>
           </a:p>
@@ -2255,7 +2260,7 @@
           <a:p>
             <a:fld id="{ABB05F94-E789-4856-B1C9-8EF05D77C3DD}" type="datetimeFigureOut">
               <a:rPr lang="zh-CN" altLang="en-US" smtClean="0"/>
-              <a:t>2025/11/18</a:t>
+              <a:t>2025/11/19</a:t>
             </a:fld>
             <a:endParaRPr lang="zh-CN" altLang="en-US"/>
           </a:p>
@@ -2396,7 +2401,7 @@
           <a:p>
             <a:fld id="{ABB05F94-E789-4856-B1C9-8EF05D77C3DD}" type="datetimeFigureOut">
               <a:rPr lang="zh-CN" altLang="en-US" smtClean="0"/>
-              <a:t>2025/11/18</a:t>
+              <a:t>2025/11/19</a:t>
             </a:fld>
             <a:endParaRPr lang="zh-CN" altLang="en-US"/>
           </a:p>
@@ -2509,7 +2514,7 @@
           <a:p>
             <a:fld id="{ABB05F94-E789-4856-B1C9-8EF05D77C3DD}" type="datetimeFigureOut">
               <a:rPr lang="zh-CN" altLang="en-US" smtClean="0"/>
-              <a:t>2025/11/18</a:t>
+              <a:t>2025/11/19</a:t>
             </a:fld>
             <a:endParaRPr lang="zh-CN" altLang="en-US"/>
           </a:p>
@@ -2820,7 +2825,7 @@
           <a:p>
             <a:fld id="{ABB05F94-E789-4856-B1C9-8EF05D77C3DD}" type="datetimeFigureOut">
               <a:rPr lang="zh-CN" altLang="en-US" smtClean="0"/>
-              <a:t>2025/11/18</a:t>
+              <a:t>2025/11/19</a:t>
             </a:fld>
             <a:endParaRPr lang="zh-CN" altLang="en-US"/>
           </a:p>
@@ -3108,7 +3113,7 @@
           <a:p>
             <a:fld id="{ABB05F94-E789-4856-B1C9-8EF05D77C3DD}" type="datetimeFigureOut">
               <a:rPr lang="zh-CN" altLang="en-US" smtClean="0"/>
-              <a:t>2025/11/18</a:t>
+              <a:t>2025/11/19</a:t>
             </a:fld>
             <a:endParaRPr lang="zh-CN" altLang="en-US"/>
           </a:p>
@@ -3349,7 +3354,7 @@
           <a:p>
             <a:fld id="{ABB05F94-E789-4856-B1C9-8EF05D77C3DD}" type="datetimeFigureOut">
               <a:rPr lang="zh-CN" altLang="en-US" smtClean="0"/>
-              <a:t>2025/11/18</a:t>
+              <a:t>2025/11/19</a:t>
             </a:fld>
             <a:endParaRPr lang="zh-CN" altLang="en-US"/>
           </a:p>
@@ -3875,16 +3880,15 @@
           </p:cNvPicPr>
           <p:nvPr/>
         </p:nvPicPr>
-        <p:blipFill>
+        <p:blipFill rotWithShape="1">
           <a:blip r:embed="rId2"/>
-          <a:stretch>
-            <a:fillRect/>
-          </a:stretch>
+          <a:srcRect t="9155" b="52209"/>
+          <a:stretch/>
         </p:blipFill>
         <p:spPr>
           <a:xfrm>
-            <a:off x="1138857" y="786143"/>
-            <a:ext cx="9914286" cy="5285714"/>
+            <a:off x="934719" y="2164080"/>
+            <a:ext cx="9914286" cy="2042160"/>
           </a:xfrm>
           <a:prstGeom prst="rect">
             <a:avLst/>
@@ -3923,6 +3927,40 @@
               <a:t>NBFNet</a:t>
             </a:r>
             <a:endParaRPr lang="zh-CN" altLang="en-US" dirty="0"/>
+          </a:p>
+        </p:txBody>
+      </p:sp>
+      <p:sp>
+        <p:nvSpPr>
+          <p:cNvPr id="4" name="矩形 3">
+            <a:extLst>
+              <a:ext uri="{FF2B5EF4-FFF2-40B4-BE49-F238E27FC236}">
+                <a16:creationId xmlns:a16="http://schemas.microsoft.com/office/drawing/2014/main" id="{50FBEE7F-8BF1-45FE-A4B7-649CCB735866}"/>
+              </a:ext>
+            </a:extLst>
+          </p:cNvPr>
+          <p:cNvSpPr/>
+          <p:nvPr/>
+        </p:nvSpPr>
+        <p:spPr>
+          <a:xfrm>
+            <a:off x="3995256" y="1219451"/>
+            <a:ext cx="3090911" cy="369332"/>
+          </a:xfrm>
+          <a:prstGeom prst="rect">
+            <a:avLst/>
+          </a:prstGeom>
+        </p:spPr>
+        <p:txBody>
+          <a:bodyPr wrap="none">
+            <a:spAutoFit/>
+          </a:bodyPr>
+          <a:lstStyle/>
+          <a:p>
+            <a:r>
+              <a:rPr lang="zh-CN" altLang="en-US" b="1" dirty="0"/>
+              <a:t>消息聚合(AGGREGATE 函数)</a:t>
+            </a:r>
           </a:p>
         </p:txBody>
       </p:sp>
@@ -4218,7 +4256,7 @@
         </p:blipFill>
         <p:spPr>
           <a:xfrm>
-            <a:off x="1596000" y="929000"/>
+            <a:off x="916120" y="929000"/>
             <a:ext cx="9000000" cy="5000000"/>
           </a:xfrm>
           <a:prstGeom prst="rect">
@@ -4226,6 +4264,41 @@
           </a:prstGeom>
         </p:spPr>
       </p:pic>
+      <p:sp>
+        <p:nvSpPr>
+          <p:cNvPr id="2" name="矩形 1">
+            <a:extLst>
+              <a:ext uri="{FF2B5EF4-FFF2-40B4-BE49-F238E27FC236}">
+                <a16:creationId xmlns:a16="http://schemas.microsoft.com/office/drawing/2014/main" id="{F1FE57D4-DF8E-468E-AB9F-E0944D480F43}"/>
+              </a:ext>
+            </a:extLst>
+          </p:cNvPr>
+          <p:cNvSpPr/>
+          <p:nvPr/>
+        </p:nvSpPr>
+        <p:spPr>
+          <a:xfrm>
+            <a:off x="681560" y="480174"/>
+            <a:ext cx="1292341" cy="369332"/>
+          </a:xfrm>
+          <a:prstGeom prst="rect">
+            <a:avLst/>
+          </a:prstGeom>
+        </p:spPr>
+        <p:txBody>
+          <a:bodyPr wrap="none">
+            <a:spAutoFit/>
+          </a:bodyPr>
+          <a:lstStyle/>
+          <a:p>
+            <a:r>
+              <a:rPr lang="en-US" altLang="zh-CN" b="1" dirty="0"/>
+              <a:t>V-RMPNN</a:t>
+            </a:r>
+            <a:endParaRPr lang="zh-CN" altLang="en-US" b="1" dirty="0"/>
+          </a:p>
+        </p:txBody>
+      </p:sp>
     </p:spTree>
     <p:extLst>
       <p:ext uri="{BB962C8B-B14F-4D97-AF65-F5344CB8AC3E}">
@@ -4261,7 +4334,7 @@
           <p:cNvPr id="2" name="图片 1">
             <a:extLst>
               <a:ext uri="{FF2B5EF4-FFF2-40B4-BE49-F238E27FC236}">
-                <a16:creationId xmlns:a16="http://schemas.microsoft.com/office/drawing/2014/main" id="{DC1A6A49-4C9E-4FDC-B74E-2A88EA51B2FF}"/>
+                <a16:creationId xmlns:a16="http://schemas.microsoft.com/office/drawing/2014/main" id="{44FDB54A-6158-4250-8F00-3D4F15AD00E2}"/>
               </a:ext>
             </a:extLst>
           </p:cNvPr>
@@ -4271,15 +4344,15 @@
           <p:nvPr/>
         </p:nvPicPr>
         <p:blipFill>
-          <a:blip r:embed="rId2"/>
+          <a:blip r:embed="rId3"/>
           <a:stretch>
             <a:fillRect/>
           </a:stretch>
         </p:blipFill>
         <p:spPr>
           <a:xfrm>
-            <a:off x="664348" y="280830"/>
-            <a:ext cx="10863303" cy="5650010"/>
+            <a:off x="0" y="643197"/>
+            <a:ext cx="11959329" cy="6036886"/>
           </a:xfrm>
           <a:prstGeom prst="rect">
             <a:avLst/>
@@ -4288,10 +4361,10 @@
       </p:pic>
       <p:sp>
         <p:nvSpPr>
-          <p:cNvPr id="4" name="矩形 3">
-            <a:extLst>
-              <a:ext uri="{FF2B5EF4-FFF2-40B4-BE49-F238E27FC236}">
-                <a16:creationId xmlns:a16="http://schemas.microsoft.com/office/drawing/2014/main" id="{D5E638FC-26CA-4AE1-9F0F-92BFC0021E6D}"/>
+          <p:cNvPr id="3" name="矩形 2">
+            <a:extLst>
+              <a:ext uri="{FF2B5EF4-FFF2-40B4-BE49-F238E27FC236}">
+                <a16:creationId xmlns:a16="http://schemas.microsoft.com/office/drawing/2014/main" id="{B765F3E9-CEF6-4926-AAC0-072E10CBD6EE}"/>
               </a:ext>
             </a:extLst>
           </p:cNvPr>
@@ -4300,52 +4373,74 @@
         </p:nvSpPr>
         <p:spPr>
           <a:xfrm>
-            <a:off x="853439" y="5907920"/>
-            <a:ext cx="9652000" cy="646331"/>
+            <a:off x="373364" y="177917"/>
+            <a:ext cx="3097323" cy="400110"/>
           </a:xfrm>
           <a:prstGeom prst="rect">
             <a:avLst/>
           </a:prstGeom>
         </p:spPr>
         <p:txBody>
-          <a:bodyPr wrap="square">
+          <a:bodyPr wrap="none">
             <a:spAutoFit/>
           </a:bodyPr>
           <a:lstStyle/>
           <a:p>
             <a:r>
-              <a:rPr lang="zh-CN" altLang="en-US" dirty="0"/>
-              <a:t>仅使用</a:t>
-            </a:r>
-            <a:r>
-              <a:rPr lang="en-US" altLang="zh-CN" dirty="0"/>
-              <a:t>V-RMPNN</a:t>
-            </a:r>
-          </a:p>
-          <a:p>
-            <a:r>
-              <a:rPr lang="en-US" altLang="zh-CN" dirty="0"/>
-              <a:t>V-RMPNN+MLP</a:t>
-            </a:r>
-            <a:r>
-              <a:rPr lang="zh-CN" altLang="en-US" dirty="0"/>
-              <a:t>消息内聚</a:t>
-            </a:r>
-            <a:r>
-              <a:rPr lang="en-US" altLang="zh-CN" dirty="0"/>
-              <a:t>  </a:t>
-            </a:r>
-            <a:r>
-              <a:rPr lang="zh-CN" altLang="en-US" b="1" dirty="0"/>
-              <a:t>0.416 0.324 0.598</a:t>
-            </a:r>
+              <a:rPr lang="zh-CN" altLang="en-US" sz="2000" b="1" dirty="0"/>
+              <a:t>KnowFormer  </a:t>
+            </a:r>
+            <a:r>
+              <a:rPr lang="en-US" altLang="zh-CN" sz="2000" b="1" dirty="0"/>
+              <a:t>VS </a:t>
+            </a:r>
+            <a:r>
+              <a:rPr lang="en-US" altLang="zh-CN" sz="2000" b="1" dirty="0" err="1"/>
+              <a:t>NBFNet</a:t>
+            </a:r>
+            <a:endParaRPr lang="zh-CN" altLang="en-US" sz="2000" b="1" dirty="0"/>
+          </a:p>
+        </p:txBody>
+      </p:sp>
+      <p:sp>
+        <p:nvSpPr>
+          <p:cNvPr id="4" name="矩形 3">
+            <a:extLst>
+              <a:ext uri="{FF2B5EF4-FFF2-40B4-BE49-F238E27FC236}">
+                <a16:creationId xmlns:a16="http://schemas.microsoft.com/office/drawing/2014/main" id="{6952EA1F-BBD6-4823-9483-6171F39E2069}"/>
+              </a:ext>
+            </a:extLst>
+          </p:cNvPr>
+          <p:cNvSpPr/>
+          <p:nvPr/>
+        </p:nvSpPr>
+        <p:spPr>
+          <a:xfrm>
+            <a:off x="4795644" y="578027"/>
+            <a:ext cx="1356462" cy="369332"/>
+          </a:xfrm>
+          <a:prstGeom prst="rect">
+            <a:avLst/>
+          </a:prstGeom>
+        </p:spPr>
+        <p:txBody>
+          <a:bodyPr wrap="none">
+            <a:spAutoFit/>
+          </a:bodyPr>
+          <a:lstStyle/>
+          <a:p>
+            <a:r>
+              <a:rPr lang="en-US" altLang="zh-CN" b="1" dirty="0"/>
+              <a:t>V-RMPNN </a:t>
+            </a:r>
+            <a:endParaRPr lang="zh-CN" altLang="en-US" b="1" dirty="0"/>
           </a:p>
         </p:txBody>
       </p:sp>
     </p:spTree>
     <p:extLst>
       <p:ext uri="{BB962C8B-B14F-4D97-AF65-F5344CB8AC3E}">
-        <p14:creationId xmlns:p14="http://schemas.microsoft.com/office/powerpoint/2010/main" val="2986567234"/>
+        <p14:creationId xmlns:p14="http://schemas.microsoft.com/office/powerpoint/2010/main" val="3314852407"/>
       </p:ext>
     </p:extLst>
   </p:cSld>
@@ -4377,7 +4472,7 @@
           <p:cNvPr id="2" name="图片 1">
             <a:extLst>
               <a:ext uri="{FF2B5EF4-FFF2-40B4-BE49-F238E27FC236}">
-                <a16:creationId xmlns:a16="http://schemas.microsoft.com/office/drawing/2014/main" id="{44FDB54A-6158-4250-8F00-3D4F15AD00E2}"/>
+                <a16:creationId xmlns:a16="http://schemas.microsoft.com/office/drawing/2014/main" id="{D3220F95-900F-4BD6-B4A0-4621E1B73911}"/>
               </a:ext>
             </a:extLst>
           </p:cNvPr>
@@ -4387,15 +4482,15 @@
           <p:nvPr/>
         </p:nvPicPr>
         <p:blipFill>
-          <a:blip r:embed="rId3"/>
+          <a:blip r:embed="rId2"/>
           <a:stretch>
             <a:fillRect/>
           </a:stretch>
         </p:blipFill>
         <p:spPr>
           <a:xfrm>
-            <a:off x="0" y="643197"/>
-            <a:ext cx="11959329" cy="6036886"/>
+            <a:off x="373364" y="578027"/>
+            <a:ext cx="10647156" cy="6087920"/>
           </a:xfrm>
           <a:prstGeom prst="rect">
             <a:avLst/>
@@ -4407,7 +4502,7 @@
           <p:cNvPr id="3" name="矩形 2">
             <a:extLst>
               <a:ext uri="{FF2B5EF4-FFF2-40B4-BE49-F238E27FC236}">
-                <a16:creationId xmlns:a16="http://schemas.microsoft.com/office/drawing/2014/main" id="{B765F3E9-CEF6-4926-AAC0-072E10CBD6EE}"/>
+                <a16:creationId xmlns:a16="http://schemas.microsoft.com/office/drawing/2014/main" id="{4151AE34-CED2-4316-BA11-10C0C94D4D3D}"/>
               </a:ext>
             </a:extLst>
           </p:cNvPr>
@@ -4447,10 +4542,10 @@
       </p:sp>
       <p:sp>
         <p:nvSpPr>
-          <p:cNvPr id="4" name="矩形 3">
-            <a:extLst>
-              <a:ext uri="{FF2B5EF4-FFF2-40B4-BE49-F238E27FC236}">
-                <a16:creationId xmlns:a16="http://schemas.microsoft.com/office/drawing/2014/main" id="{6952EA1F-BBD6-4823-9483-6171F39E2069}"/>
+          <p:cNvPr id="5" name="矩形 4">
+            <a:extLst>
+              <a:ext uri="{FF2B5EF4-FFF2-40B4-BE49-F238E27FC236}">
+                <a16:creationId xmlns:a16="http://schemas.microsoft.com/office/drawing/2014/main" id="{4AD38B8B-5AD7-4E69-8471-4BAB3E984CEE}"/>
               </a:ext>
             </a:extLst>
           </p:cNvPr>
@@ -4460,7 +4555,7 @@
         <p:spPr>
           <a:xfrm>
             <a:off x="4795644" y="578027"/>
-            <a:ext cx="1356462" cy="369332"/>
+            <a:ext cx="679994" cy="369332"/>
           </a:xfrm>
           <a:prstGeom prst="rect">
             <a:avLst/>
@@ -4474,7 +4569,7 @@
           <a:p>
             <a:r>
               <a:rPr lang="en-US" altLang="zh-CN" b="1" dirty="0"/>
-              <a:t>V-RMPNN </a:t>
+              <a:t>NBF </a:t>
             </a:r>
             <a:endParaRPr lang="zh-CN" altLang="en-US" b="1" dirty="0"/>
           </a:p>
@@ -4483,7 +4578,7 @@
     </p:spTree>
     <p:extLst>
       <p:ext uri="{BB962C8B-B14F-4D97-AF65-F5344CB8AC3E}">
-        <p14:creationId xmlns:p14="http://schemas.microsoft.com/office/powerpoint/2010/main" val="3314852407"/>
+        <p14:creationId xmlns:p14="http://schemas.microsoft.com/office/powerpoint/2010/main" val="3054419107"/>
       </p:ext>
     </p:extLst>
   </p:cSld>
@@ -4515,7 +4610,7 @@
           <p:cNvPr id="2" name="图片 1">
             <a:extLst>
               <a:ext uri="{FF2B5EF4-FFF2-40B4-BE49-F238E27FC236}">
-                <a16:creationId xmlns:a16="http://schemas.microsoft.com/office/drawing/2014/main" id="{D3220F95-900F-4BD6-B4A0-4621E1B73911}"/>
+                <a16:creationId xmlns:a16="http://schemas.microsoft.com/office/drawing/2014/main" id="{DC1A6A49-4C9E-4FDC-B74E-2A88EA51B2FF}"/>
               </a:ext>
             </a:extLst>
           </p:cNvPr>
@@ -4532,8 +4627,8 @@
         </p:blipFill>
         <p:spPr>
           <a:xfrm>
-            <a:off x="373364" y="578027"/>
-            <a:ext cx="10647156" cy="6087920"/>
+            <a:off x="664348" y="280830"/>
+            <a:ext cx="10863303" cy="5650010"/>
           </a:xfrm>
           <a:prstGeom prst="rect">
             <a:avLst/>
@@ -4542,10 +4637,10 @@
       </p:pic>
       <p:sp>
         <p:nvSpPr>
-          <p:cNvPr id="3" name="矩形 2">
-            <a:extLst>
-              <a:ext uri="{FF2B5EF4-FFF2-40B4-BE49-F238E27FC236}">
-                <a16:creationId xmlns:a16="http://schemas.microsoft.com/office/drawing/2014/main" id="{4151AE34-CED2-4316-BA11-10C0C94D4D3D}"/>
+          <p:cNvPr id="4" name="矩形 3">
+            <a:extLst>
+              <a:ext uri="{FF2B5EF4-FFF2-40B4-BE49-F238E27FC236}">
+                <a16:creationId xmlns:a16="http://schemas.microsoft.com/office/drawing/2014/main" id="{D5E638FC-26CA-4AE1-9F0F-92BFC0021E6D}"/>
               </a:ext>
             </a:extLst>
           </p:cNvPr>
@@ -4554,74 +4649,52 @@
         </p:nvSpPr>
         <p:spPr>
           <a:xfrm>
-            <a:off x="373364" y="177917"/>
-            <a:ext cx="3097323" cy="400110"/>
+            <a:off x="853439" y="5907920"/>
+            <a:ext cx="9652000" cy="646331"/>
           </a:xfrm>
           <a:prstGeom prst="rect">
             <a:avLst/>
           </a:prstGeom>
         </p:spPr>
         <p:txBody>
-          <a:bodyPr wrap="none">
+          <a:bodyPr wrap="square">
             <a:spAutoFit/>
           </a:bodyPr>
           <a:lstStyle/>
           <a:p>
             <a:r>
-              <a:rPr lang="zh-CN" altLang="en-US" sz="2000" b="1" dirty="0"/>
-              <a:t>KnowFormer  </a:t>
-            </a:r>
-            <a:r>
-              <a:rPr lang="en-US" altLang="zh-CN" sz="2000" b="1" dirty="0"/>
-              <a:t>VS </a:t>
-            </a:r>
-            <a:r>
-              <a:rPr lang="en-US" altLang="zh-CN" sz="2000" b="1" dirty="0" err="1"/>
-              <a:t>NBFNet</a:t>
-            </a:r>
-            <a:endParaRPr lang="zh-CN" altLang="en-US" sz="2000" b="1" dirty="0"/>
-          </a:p>
-        </p:txBody>
-      </p:sp>
-      <p:sp>
-        <p:nvSpPr>
-          <p:cNvPr id="5" name="矩形 4">
-            <a:extLst>
-              <a:ext uri="{FF2B5EF4-FFF2-40B4-BE49-F238E27FC236}">
-                <a16:creationId xmlns:a16="http://schemas.microsoft.com/office/drawing/2014/main" id="{4AD38B8B-5AD7-4E69-8471-4BAB3E984CEE}"/>
-              </a:ext>
-            </a:extLst>
-          </p:cNvPr>
-          <p:cNvSpPr/>
-          <p:nvPr/>
-        </p:nvSpPr>
-        <p:spPr>
-          <a:xfrm>
-            <a:off x="4795644" y="578027"/>
-            <a:ext cx="679994" cy="369332"/>
-          </a:xfrm>
-          <a:prstGeom prst="rect">
-            <a:avLst/>
-          </a:prstGeom>
-        </p:spPr>
-        <p:txBody>
-          <a:bodyPr wrap="none">
-            <a:spAutoFit/>
-          </a:bodyPr>
-          <a:lstStyle/>
-          <a:p>
-            <a:r>
-              <a:rPr lang="en-US" altLang="zh-CN" b="1" dirty="0"/>
-              <a:t>NBF </a:t>
-            </a:r>
-            <a:endParaRPr lang="zh-CN" altLang="en-US" b="1" dirty="0"/>
+              <a:rPr lang="zh-CN" altLang="en-US" dirty="0"/>
+              <a:t>仅使用</a:t>
+            </a:r>
+            <a:r>
+              <a:rPr lang="en-US" altLang="zh-CN" dirty="0"/>
+              <a:t>V-RMPNN</a:t>
+            </a:r>
+          </a:p>
+          <a:p>
+            <a:r>
+              <a:rPr lang="en-US" altLang="zh-CN" dirty="0"/>
+              <a:t>RSPMM+MLP</a:t>
+            </a:r>
+            <a:r>
+              <a:rPr lang="zh-CN" altLang="en-US" dirty="0"/>
+              <a:t>消息内聚</a:t>
+            </a:r>
+            <a:r>
+              <a:rPr lang="en-US" altLang="zh-CN" dirty="0"/>
+              <a:t>  </a:t>
+            </a:r>
+            <a:r>
+              <a:rPr lang="zh-CN" altLang="en-US" b="1" dirty="0"/>
+              <a:t>0.416 0.324 0.598</a:t>
+            </a:r>
           </a:p>
         </p:txBody>
       </p:sp>
     </p:spTree>
     <p:extLst>
       <p:ext uri="{BB962C8B-B14F-4D97-AF65-F5344CB8AC3E}">
-        <p14:creationId xmlns:p14="http://schemas.microsoft.com/office/powerpoint/2010/main" val="3054419107"/>
+        <p14:creationId xmlns:p14="http://schemas.microsoft.com/office/powerpoint/2010/main" val="2986567234"/>
       </p:ext>
     </p:extLst>
   </p:cSld>
@@ -4662,16 +4735,15 @@
           </p:cNvPicPr>
           <p:nvPr/>
         </p:nvPicPr>
-        <p:blipFill>
+        <p:blipFill rotWithShape="1">
           <a:blip r:embed="rId2"/>
-          <a:stretch>
-            <a:fillRect/>
-          </a:stretch>
+          <a:srcRect t="8838" b="64666"/>
+          <a:stretch/>
         </p:blipFill>
         <p:spPr>
           <a:xfrm>
-            <a:off x="1200762" y="1343285"/>
-            <a:ext cx="9790476" cy="4171429"/>
+            <a:off x="1566522" y="1464979"/>
+            <a:ext cx="9790476" cy="1105275"/>
           </a:xfrm>
           <a:prstGeom prst="rect">
             <a:avLst/>
@@ -4713,6 +4785,35 @@
           </a:p>
         </p:txBody>
       </p:sp>
+      <p:pic>
+        <p:nvPicPr>
+          <p:cNvPr id="5" name="图片 4">
+            <a:extLst>
+              <a:ext uri="{FF2B5EF4-FFF2-40B4-BE49-F238E27FC236}">
+                <a16:creationId xmlns:a16="http://schemas.microsoft.com/office/drawing/2014/main" id="{AA7D6936-1CCA-495F-B68D-37122D7FD628}"/>
+              </a:ext>
+            </a:extLst>
+          </p:cNvPr>
+          <p:cNvPicPr>
+            <a:picLocks noChangeAspect="1"/>
+          </p:cNvPicPr>
+          <p:nvPr/>
+        </p:nvPicPr>
+        <p:blipFill rotWithShape="1">
+          <a:blip r:embed="rId2"/>
+          <a:srcRect t="58551"/>
+          <a:stretch/>
+        </p:blipFill>
+        <p:spPr>
+          <a:xfrm>
+            <a:off x="1464922" y="3121283"/>
+            <a:ext cx="9790476" cy="1729031"/>
+          </a:xfrm>
+          <a:prstGeom prst="rect">
+            <a:avLst/>
+          </a:prstGeom>
+        </p:spPr>
+      </p:pic>
     </p:spTree>
     <p:extLst>
       <p:ext uri="{BB962C8B-B14F-4D97-AF65-F5344CB8AC3E}">
